--- a/intro-to-ai-tools-with-excel.pptx
+++ b/intro-to-ai-tools-with-excel.pptx
@@ -22,7 +22,7 @@
     <p:sldId id="439" r:id="rId13"/>
     <p:sldId id="440" r:id="rId14"/>
     <p:sldId id="444" r:id="rId15"/>
-    <p:sldId id="441" r:id="rId16"/>
+    <p:sldId id="445" r:id="rId16"/>
     <p:sldId id="417" r:id="rId17"/>
   </p:sldIdLst>
   <p:sldSz cx="18288000" cy="10287000"/>
@@ -250,7 +250,7 @@
           <a:p>
             <a:fld id="{17A98A70-FA8C-4354-959C-C70678AC9BCF}" type="datetimeFigureOut">
               <a:rPr lang="en-US" smtClean="0"/>
-              <a:t>4/25/2025</a:t>
+              <a:t>5/12/2025</a:t>
             </a:fld>
             <a:endParaRPr lang="en-US"/>
           </a:p>
@@ -1093,7 +1093,7 @@
             <a:fld id="{1D8BD707-D9CF-40AE-B4C6-C98DA3205C09}" type="datetimeFigureOut">
               <a:rPr lang="en-US" smtClean="0"/>
               <a:pPr/>
-              <a:t>4/25/2025</a:t>
+              <a:t>5/12/2025</a:t>
             </a:fld>
             <a:endParaRPr lang="en-US"/>
           </a:p>
@@ -1258,7 +1258,7 @@
             <a:fld id="{1D8BD707-D9CF-40AE-B4C6-C98DA3205C09}" type="datetimeFigureOut">
               <a:rPr lang="en-US" smtClean="0"/>
               <a:pPr/>
-              <a:t>4/25/2025</a:t>
+              <a:t>5/12/2025</a:t>
             </a:fld>
             <a:endParaRPr lang="en-US"/>
           </a:p>
@@ -1433,7 +1433,7 @@
             <a:fld id="{1D8BD707-D9CF-40AE-B4C6-C98DA3205C09}" type="datetimeFigureOut">
               <a:rPr lang="en-US" smtClean="0"/>
               <a:pPr/>
-              <a:t>4/25/2025</a:t>
+              <a:t>5/12/2025</a:t>
             </a:fld>
             <a:endParaRPr lang="en-US"/>
           </a:p>
@@ -1598,7 +1598,7 @@
             <a:fld id="{1D8BD707-D9CF-40AE-B4C6-C98DA3205C09}" type="datetimeFigureOut">
               <a:rPr lang="en-US" smtClean="0"/>
               <a:pPr/>
-              <a:t>4/25/2025</a:t>
+              <a:t>5/12/2025</a:t>
             </a:fld>
             <a:endParaRPr lang="en-US"/>
           </a:p>
@@ -1840,7 +1840,7 @@
             <a:fld id="{1D8BD707-D9CF-40AE-B4C6-C98DA3205C09}" type="datetimeFigureOut">
               <a:rPr lang="en-US" smtClean="0"/>
               <a:pPr/>
-              <a:t>4/25/2025</a:t>
+              <a:t>5/12/2025</a:t>
             </a:fld>
             <a:endParaRPr lang="en-US"/>
           </a:p>
@@ -2122,7 +2122,7 @@
             <a:fld id="{1D8BD707-D9CF-40AE-B4C6-C98DA3205C09}" type="datetimeFigureOut">
               <a:rPr lang="en-US" smtClean="0"/>
               <a:pPr/>
-              <a:t>4/25/2025</a:t>
+              <a:t>5/12/2025</a:t>
             </a:fld>
             <a:endParaRPr lang="en-US"/>
           </a:p>
@@ -2538,7 +2538,7 @@
             <a:fld id="{1D8BD707-D9CF-40AE-B4C6-C98DA3205C09}" type="datetimeFigureOut">
               <a:rPr lang="en-US" smtClean="0"/>
               <a:pPr/>
-              <a:t>4/25/2025</a:t>
+              <a:t>5/12/2025</a:t>
             </a:fld>
             <a:endParaRPr lang="en-US"/>
           </a:p>
@@ -2652,7 +2652,7 @@
             <a:fld id="{1D8BD707-D9CF-40AE-B4C6-C98DA3205C09}" type="datetimeFigureOut">
               <a:rPr lang="en-US" smtClean="0"/>
               <a:pPr/>
-              <a:t>4/25/2025</a:t>
+              <a:t>5/12/2025</a:t>
             </a:fld>
             <a:endParaRPr lang="en-US"/>
           </a:p>
@@ -2744,7 +2744,7 @@
             <a:fld id="{1D8BD707-D9CF-40AE-B4C6-C98DA3205C09}" type="datetimeFigureOut">
               <a:rPr lang="en-US" smtClean="0"/>
               <a:pPr/>
-              <a:t>4/25/2025</a:t>
+              <a:t>5/12/2025</a:t>
             </a:fld>
             <a:endParaRPr lang="en-US"/>
           </a:p>
@@ -3016,7 +3016,7 @@
             <a:fld id="{1D8BD707-D9CF-40AE-B4C6-C98DA3205C09}" type="datetimeFigureOut">
               <a:rPr lang="en-US" smtClean="0"/>
               <a:pPr/>
-              <a:t>4/25/2025</a:t>
+              <a:t>5/12/2025</a:t>
             </a:fld>
             <a:endParaRPr lang="en-US"/>
           </a:p>
@@ -3265,7 +3265,7 @@
             <a:fld id="{1D8BD707-D9CF-40AE-B4C6-C98DA3205C09}" type="datetimeFigureOut">
               <a:rPr lang="en-US" smtClean="0"/>
               <a:pPr/>
-              <a:t>4/25/2025</a:t>
+              <a:t>5/12/2025</a:t>
             </a:fld>
             <a:endParaRPr lang="en-US"/>
           </a:p>
@@ -3478,7 +3478,7 @@
             <a:fld id="{1D8BD707-D9CF-40AE-B4C6-C98DA3205C09}" type="datetimeFigureOut">
               <a:rPr lang="en-US" smtClean="0"/>
               <a:pPr/>
-              <a:t>4/25/2025</a:t>
+              <a:t>5/12/2025</a:t>
             </a:fld>
             <a:endParaRPr lang="en-US"/>
           </a:p>
@@ -5149,7 +5149,13 @@
   <p:cSld>
     <p:spTree>
       <p:nvGrpSpPr>
-        <p:cNvPr id="1" name=""/>
+        <p:cNvPr id="1" name="">
+          <a:extLst>
+            <a:ext uri="{FF2B5EF4-FFF2-40B4-BE49-F238E27FC236}">
+              <a16:creationId xmlns:a16="http://schemas.microsoft.com/office/drawing/2014/main" id="{47522EBD-C4C2-3618-32E9-5B50C32B0EA6}"/>
+            </a:ext>
+          </a:extLst>
+        </p:cNvPr>
         <p:cNvGrpSpPr/>
         <p:nvPr/>
       </p:nvGrpSpPr>
@@ -5163,43 +5169,20 @@
       </p:grpSpPr>
       <p:pic>
         <p:nvPicPr>
-          <p:cNvPr id="10" name="Picture 9"/>
-          <p:cNvPicPr>
-            <a:picLocks noChangeAspect="1"/>
-          </p:cNvPicPr>
-          <p:nvPr/>
-        </p:nvPicPr>
-        <p:blipFill rotWithShape="1">
-          <a:blip r:embed="rId2">
-            <a:extLst>
-              <a:ext uri="{28A0092B-C50C-407E-A947-70E740481C1C}">
-                <a14:useLocalDpi xmlns:a14="http://schemas.microsoft.com/office/drawing/2010/main" val="0"/>
-              </a:ext>
-            </a:extLst>
-          </a:blip>
-          <a:srcRect l="50728" t="56371"/>
-          <a:stretch/>
-        </p:blipFill>
-        <p:spPr>
-          <a:xfrm>
-            <a:off x="12204691" y="3316148"/>
-            <a:ext cx="6083309" cy="6970854"/>
-          </a:xfrm>
-          <a:prstGeom prst="rect">
-            <a:avLst/>
-          </a:prstGeom>
-        </p:spPr>
-      </p:pic>
-      <p:pic>
-        <p:nvPicPr>
-          <p:cNvPr id="4" name="Picture 3"/>
+          <p:cNvPr id="4" name="Picture 3">
+            <a:extLst>
+              <a:ext uri="{FF2B5EF4-FFF2-40B4-BE49-F238E27FC236}">
+                <a16:creationId xmlns:a16="http://schemas.microsoft.com/office/drawing/2014/main" id="{B2AE3DFA-6F36-BE53-BB8E-D8AE4E451A3A}"/>
+              </a:ext>
+            </a:extLst>
+          </p:cNvPr>
           <p:cNvPicPr>
             <a:picLocks noChangeAspect="1"/>
           </p:cNvPicPr>
           <p:nvPr/>
         </p:nvPicPr>
         <p:blipFill>
-          <a:blip r:embed="rId3">
+          <a:blip r:embed="rId2">
             <a:extLst>
               <a:ext uri="{28A0092B-C50C-407E-A947-70E740481C1C}">
                 <a14:useLocalDpi xmlns:a14="http://schemas.microsoft.com/office/drawing/2010/main" val="0"/>
@@ -5222,14 +5205,20 @@
       </p:pic>
       <p:sp>
         <p:nvSpPr>
-          <p:cNvPr id="11" name="TextBox 10"/>
+          <p:cNvPr id="11" name="TextBox 10">
+            <a:extLst>
+              <a:ext uri="{FF2B5EF4-FFF2-40B4-BE49-F238E27FC236}">
+                <a16:creationId xmlns:a16="http://schemas.microsoft.com/office/drawing/2014/main" id="{780C5883-4C01-3E0D-6CBD-B7F0B5750C8D}"/>
+              </a:ext>
+            </a:extLst>
+          </p:cNvPr>
           <p:cNvSpPr txBox="1"/>
           <p:nvPr/>
         </p:nvSpPr>
         <p:spPr>
           <a:xfrm>
             <a:off x="486137" y="2531318"/>
-            <a:ext cx="11979797" cy="923330"/>
+            <a:ext cx="7438663" cy="6740307"/>
           </a:xfrm>
           <a:prstGeom prst="rect">
             <a:avLst/>
@@ -5249,17 +5238,100 @@
                 </a:solidFill>
                 <a:latin typeface="Pragmatica" panose="020B0403040502020204" pitchFamily="34" charset="0"/>
               </a:rPr>
-              <a:t>Questions?</a:t>
-            </a:r>
+              <a:t>FREE DOWNLOAD!</a:t>
+            </a:r>
+          </a:p>
+          <a:p>
+            <a:endParaRPr lang="en-US" sz="5400" b="1" dirty="0">
+              <a:solidFill>
+                <a:srgbClr val="CF3338"/>
+              </a:solidFill>
+              <a:latin typeface="Pragmatica" panose="020B0403040502020204" pitchFamily="34" charset="0"/>
+            </a:endParaRPr>
+          </a:p>
+          <a:p>
+            <a:r>
+              <a:rPr lang="en-US" sz="5400" b="1" dirty="0">
+                <a:solidFill>
+                  <a:srgbClr val="CF3338"/>
+                </a:solidFill>
+                <a:latin typeface="Pragmatica" panose="020B0403040502020204" pitchFamily="34" charset="0"/>
+              </a:rPr>
+              <a:t>“Modern Excel Playbook for Finance &amp; Accounting”</a:t>
+            </a:r>
+          </a:p>
+          <a:p>
+            <a:endParaRPr lang="en-US" sz="5400" b="1" dirty="0">
+              <a:solidFill>
+                <a:srgbClr val="CF3338"/>
+              </a:solidFill>
+              <a:latin typeface="Pragmatica" panose="020B0403040502020204" pitchFamily="34" charset="0"/>
+            </a:endParaRPr>
+          </a:p>
+          <a:p>
+            <a:r>
+              <a:rPr lang="en-US" sz="5400" b="1" dirty="0">
+                <a:solidFill>
+                  <a:srgbClr val="CF3338"/>
+                </a:solidFill>
+                <a:latin typeface="Pragmatica" panose="020B0403040502020204" pitchFamily="34" charset="0"/>
+                <a:hlinkClick r:id="rId3">
+                  <a:extLst>
+                    <a:ext uri="{A12FA001-AC4F-418D-AE19-62706E023703}">
+                      <ahyp:hlinkClr xmlns:ahyp="http://schemas.microsoft.com/office/drawing/2018/hyperlinkcolor" val="tx"/>
+                    </a:ext>
+                  </a:extLst>
+                </a:hlinkClick>
+              </a:rPr>
+              <a:t>stringfestanalytics.com/</a:t>
+            </a:r>
+            <a:r>
+              <a:rPr lang="en-US" sz="5400" b="1" dirty="0" err="1">
+                <a:solidFill>
+                  <a:srgbClr val="CF3338"/>
+                </a:solidFill>
+                <a:latin typeface="Pragmatica" panose="020B0403040502020204" pitchFamily="34" charset="0"/>
+                <a:hlinkClick r:id="rId3">
+                  <a:extLst>
+                    <a:ext uri="{A12FA001-AC4F-418D-AE19-62706E023703}">
+                      <ahyp:hlinkClr xmlns:ahyp="http://schemas.microsoft.com/office/drawing/2018/hyperlinkcolor" val="tx"/>
+                    </a:ext>
+                  </a:extLst>
+                </a:hlinkClick>
+              </a:rPr>
+              <a:t>meonske</a:t>
+            </a:r>
+            <a:r>
+              <a:rPr lang="en-US" sz="5400" b="1" dirty="0">
+                <a:solidFill>
+                  <a:srgbClr val="CF3338"/>
+                </a:solidFill>
+                <a:latin typeface="Pragmatica" panose="020B0403040502020204" pitchFamily="34" charset="0"/>
+                <a:hlinkClick r:id="rId3">
+                  <a:extLst>
+                    <a:ext uri="{A12FA001-AC4F-418D-AE19-62706E023703}">
+                      <ahyp:hlinkClr xmlns:ahyp="http://schemas.microsoft.com/office/drawing/2018/hyperlinkcolor" val="tx"/>
+                    </a:ext>
+                  </a:extLst>
+                </a:hlinkClick>
+              </a:rPr>
+              <a:t> </a:t>
+            </a:r>
+            <a:endParaRPr lang="en-US" sz="5400" b="1" dirty="0">
+              <a:solidFill>
+                <a:srgbClr val="CF3338"/>
+              </a:solidFill>
+              <a:latin typeface="Pragmatica" panose="020B0403040502020204" pitchFamily="34" charset="0"/>
+            </a:endParaRPr>
           </a:p>
         </p:txBody>
       </p:sp>
       <p:pic>
         <p:nvPicPr>
-          <p:cNvPr id="5" name="Picture 4">
+          <p:cNvPr id="3" name="Picture 2" descr="A black background with a black square&#10;&#10;AI-generated content may be incorrect.">
             <a:extLst>
               <a:ext uri="{FF2B5EF4-FFF2-40B4-BE49-F238E27FC236}">
-                <a16:creationId xmlns:a16="http://schemas.microsoft.com/office/drawing/2014/main" id="{54A06221-5316-4BCF-9FDA-BDB95FF4A778}"/>
+                <a16:creationId xmlns:a16="http://schemas.microsoft.com/office/drawing/2014/main" id="{A79664E2-7138-1603-E77B-DFF2EC3E0C88}"/>
               </a:ext>
             </a:extLst>
           </p:cNvPr>
@@ -5276,13 +5348,14 @@
               </a:ext>
             </a:extLst>
           </a:blip>
-          <a:srcRect/>
-          <a:stretch/>
+          <a:stretch>
+            <a:fillRect/>
+          </a:stretch>
         </p:blipFill>
         <p:spPr>
           <a:xfrm>
-            <a:off x="12204691" y="3317239"/>
-            <a:ext cx="6083309" cy="6968672"/>
+            <a:off x="9982200" y="3429518"/>
+            <a:ext cx="5838463" cy="5838463"/>
           </a:xfrm>
           <a:prstGeom prst="rect">
             <a:avLst/>
@@ -5292,7 +5365,7 @@
     </p:spTree>
     <p:extLst>
       <p:ext uri="{BB962C8B-B14F-4D97-AF65-F5344CB8AC3E}">
-        <p14:creationId xmlns:p14="http://schemas.microsoft.com/office/powerpoint/2010/main" val="2367823393"/>
+        <p14:creationId xmlns:p14="http://schemas.microsoft.com/office/powerpoint/2010/main" val="3128061520"/>
       </p:ext>
     </p:extLst>
   </p:cSld>

--- a/intro-to-ai-tools-with-excel.pptx
+++ b/intro-to-ai-tools-with-excel.pptx
@@ -250,7 +250,7 @@
           <a:p>
             <a:fld id="{17A98A70-FA8C-4354-959C-C70678AC9BCF}" type="datetimeFigureOut">
               <a:rPr lang="en-US" smtClean="0"/>
-              <a:t>5/12/2025</a:t>
+              <a:t>5/16/2025</a:t>
             </a:fld>
             <a:endParaRPr lang="en-US"/>
           </a:p>
@@ -1093,7 +1093,7 @@
             <a:fld id="{1D8BD707-D9CF-40AE-B4C6-C98DA3205C09}" type="datetimeFigureOut">
               <a:rPr lang="en-US" smtClean="0"/>
               <a:pPr/>
-              <a:t>5/12/2025</a:t>
+              <a:t>5/16/2025</a:t>
             </a:fld>
             <a:endParaRPr lang="en-US"/>
           </a:p>
@@ -1258,7 +1258,7 @@
             <a:fld id="{1D8BD707-D9CF-40AE-B4C6-C98DA3205C09}" type="datetimeFigureOut">
               <a:rPr lang="en-US" smtClean="0"/>
               <a:pPr/>
-              <a:t>5/12/2025</a:t>
+              <a:t>5/16/2025</a:t>
             </a:fld>
             <a:endParaRPr lang="en-US"/>
           </a:p>
@@ -1433,7 +1433,7 @@
             <a:fld id="{1D8BD707-D9CF-40AE-B4C6-C98DA3205C09}" type="datetimeFigureOut">
               <a:rPr lang="en-US" smtClean="0"/>
               <a:pPr/>
-              <a:t>5/12/2025</a:t>
+              <a:t>5/16/2025</a:t>
             </a:fld>
             <a:endParaRPr lang="en-US"/>
           </a:p>
@@ -1598,7 +1598,7 @@
             <a:fld id="{1D8BD707-D9CF-40AE-B4C6-C98DA3205C09}" type="datetimeFigureOut">
               <a:rPr lang="en-US" smtClean="0"/>
               <a:pPr/>
-              <a:t>5/12/2025</a:t>
+              <a:t>5/16/2025</a:t>
             </a:fld>
             <a:endParaRPr lang="en-US"/>
           </a:p>
@@ -1840,7 +1840,7 @@
             <a:fld id="{1D8BD707-D9CF-40AE-B4C6-C98DA3205C09}" type="datetimeFigureOut">
               <a:rPr lang="en-US" smtClean="0"/>
               <a:pPr/>
-              <a:t>5/12/2025</a:t>
+              <a:t>5/16/2025</a:t>
             </a:fld>
             <a:endParaRPr lang="en-US"/>
           </a:p>
@@ -2122,7 +2122,7 @@
             <a:fld id="{1D8BD707-D9CF-40AE-B4C6-C98DA3205C09}" type="datetimeFigureOut">
               <a:rPr lang="en-US" smtClean="0"/>
               <a:pPr/>
-              <a:t>5/12/2025</a:t>
+              <a:t>5/16/2025</a:t>
             </a:fld>
             <a:endParaRPr lang="en-US"/>
           </a:p>
@@ -2538,7 +2538,7 @@
             <a:fld id="{1D8BD707-D9CF-40AE-B4C6-C98DA3205C09}" type="datetimeFigureOut">
               <a:rPr lang="en-US" smtClean="0"/>
               <a:pPr/>
-              <a:t>5/12/2025</a:t>
+              <a:t>5/16/2025</a:t>
             </a:fld>
             <a:endParaRPr lang="en-US"/>
           </a:p>
@@ -2652,7 +2652,7 @@
             <a:fld id="{1D8BD707-D9CF-40AE-B4C6-C98DA3205C09}" type="datetimeFigureOut">
               <a:rPr lang="en-US" smtClean="0"/>
               <a:pPr/>
-              <a:t>5/12/2025</a:t>
+              <a:t>5/16/2025</a:t>
             </a:fld>
             <a:endParaRPr lang="en-US"/>
           </a:p>
@@ -2744,7 +2744,7 @@
             <a:fld id="{1D8BD707-D9CF-40AE-B4C6-C98DA3205C09}" type="datetimeFigureOut">
               <a:rPr lang="en-US" smtClean="0"/>
               <a:pPr/>
-              <a:t>5/12/2025</a:t>
+              <a:t>5/16/2025</a:t>
             </a:fld>
             <a:endParaRPr lang="en-US"/>
           </a:p>
@@ -3016,7 +3016,7 @@
             <a:fld id="{1D8BD707-D9CF-40AE-B4C6-C98DA3205C09}" type="datetimeFigureOut">
               <a:rPr lang="en-US" smtClean="0"/>
               <a:pPr/>
-              <a:t>5/12/2025</a:t>
+              <a:t>5/16/2025</a:t>
             </a:fld>
             <a:endParaRPr lang="en-US"/>
           </a:p>
@@ -3265,7 +3265,7 @@
             <a:fld id="{1D8BD707-D9CF-40AE-B4C6-C98DA3205C09}" type="datetimeFigureOut">
               <a:rPr lang="en-US" smtClean="0"/>
               <a:pPr/>
-              <a:t>5/12/2025</a:t>
+              <a:t>5/16/2025</a:t>
             </a:fld>
             <a:endParaRPr lang="en-US"/>
           </a:p>
@@ -3478,7 +3478,7 @@
             <a:fld id="{1D8BD707-D9CF-40AE-B4C6-C98DA3205C09}" type="datetimeFigureOut">
               <a:rPr lang="en-US" smtClean="0"/>
               <a:pPr/>
-              <a:t>5/12/2025</a:t>
+              <a:t>5/16/2025</a:t>
             </a:fld>
             <a:endParaRPr lang="en-US"/>
           </a:p>
@@ -5145,7 +5145,7 @@
 </file>
 
 <file path=ppt/slides/slide15.xml><?xml version="1.0" encoding="utf-8"?>
-<p:sld xmlns:a="http://schemas.openxmlformats.org/drawingml/2006/main" xmlns:r="http://schemas.openxmlformats.org/officeDocument/2006/relationships" xmlns:p="http://schemas.openxmlformats.org/presentationml/2006/main">
+<p:sld xmlns:a="http://schemas.openxmlformats.org/drawingml/2006/main" xmlns:r="http://schemas.openxmlformats.org/officeDocument/2006/relationships" xmlns:p="http://schemas.openxmlformats.org/presentationml/2006/main" show="0">
   <p:cSld>
     <p:spTree>
       <p:nvGrpSpPr>
